--- a/Documents/Principio de inversión de la dependencia.pptx
+++ b/Documents/Principio de inversión de la dependencia.pptx
@@ -8321,7 +8321,7 @@
           <p:cNvPr id="4" name="Picture 3">
             <a:extLst>
               <a:ext uri="{FF2B5EF4-FFF2-40B4-BE49-F238E27FC236}">
-                <a16:creationId xmlns:a16="http://schemas.microsoft.com/office/drawing/2014/main" id="{19FFB7CB-1829-4E35-9D2C-AFAE65579A8A}"/>
+                <a16:creationId xmlns:a16="http://schemas.microsoft.com/office/drawing/2014/main" id="{56C2A749-258E-4F53-BA71-EBE8FD601E61}"/>
               </a:ext>
             </a:extLst>
           </p:cNvPr>
@@ -8338,8 +8338,8 @@
         </p:blipFill>
         <p:spPr>
           <a:xfrm>
-            <a:off x="2261067" y="1729251"/>
-            <a:ext cx="4874839" cy="2999350"/>
+            <a:off x="1990725" y="1656021"/>
+            <a:ext cx="5162550" cy="3200400"/>
           </a:xfrm>
           <a:prstGeom prst="rect">
             <a:avLst/>
